--- a/SDLC & Software environments organization.pptx
+++ b/SDLC & Software environments organization.pptx
@@ -122,6 +122,10 @@
 </p:presentation>
 </file>
 
+<file path=ppt/revisionInfo.xml><?xml version="1.0" encoding="utf-8"?>
+<p1510:revInfo xmlns:a="http://schemas.openxmlformats.org/drawingml/2006/main" xmlns:r="http://schemas.openxmlformats.org/officeDocument/2006/relationships" xmlns:p1510="http://schemas.microsoft.com/office/powerpoint/2015/10/main"/>
+</file>
+
 <file path=ppt/slideLayouts/slideLayout1.xml><?xml version="1.0" encoding="utf-8"?>
 <p:sldLayout xmlns:a="http://schemas.openxmlformats.org/drawingml/2006/main" xmlns:r="http://schemas.openxmlformats.org/officeDocument/2006/relationships" xmlns:p="http://schemas.openxmlformats.org/presentationml/2006/main" type="title" preserve="1">
   <p:cSld name="Title Slide">
@@ -308,7 +312,7 @@
           <a:p>
             <a:fld id="{FFB648F2-5E40-40A9-9A54-77FC3D794F02}" type="datetimeFigureOut">
               <a:rPr lang="en-US" smtClean="0"/>
-              <a:t>10/19/2017</a:t>
+              <a:t>10/22/2017</a:t>
             </a:fld>
             <a:endParaRPr lang="en-US"/>
           </a:p>
@@ -583,7 +587,7 @@
           <a:p>
             <a:fld id="{FFB648F2-5E40-40A9-9A54-77FC3D794F02}" type="datetimeFigureOut">
               <a:rPr lang="en-US" smtClean="0"/>
-              <a:t>10/19/2017</a:t>
+              <a:t>10/22/2017</a:t>
             </a:fld>
             <a:endParaRPr lang="en-US"/>
           </a:p>
@@ -777,7 +781,7 @@
           <a:p>
             <a:fld id="{FFB648F2-5E40-40A9-9A54-77FC3D794F02}" type="datetimeFigureOut">
               <a:rPr lang="en-US" smtClean="0"/>
-              <a:t>10/19/2017</a:t>
+              <a:t>10/22/2017</a:t>
             </a:fld>
             <a:endParaRPr lang="en-US"/>
           </a:p>
@@ -1050,7 +1054,7 @@
           <a:p>
             <a:fld id="{FFB648F2-5E40-40A9-9A54-77FC3D794F02}" type="datetimeFigureOut">
               <a:rPr lang="en-US" smtClean="0"/>
-              <a:t>10/19/2017</a:t>
+              <a:t>10/22/2017</a:t>
             </a:fld>
             <a:endParaRPr lang="en-US"/>
           </a:p>
@@ -1391,7 +1395,7 @@
           <a:p>
             <a:fld id="{FFB648F2-5E40-40A9-9A54-77FC3D794F02}" type="datetimeFigureOut">
               <a:rPr lang="en-US" smtClean="0"/>
-              <a:t>10/19/2017</a:t>
+              <a:t>10/22/2017</a:t>
             </a:fld>
             <a:endParaRPr lang="en-US"/>
           </a:p>
@@ -2014,7 +2018,7 @@
           <a:p>
             <a:fld id="{FFB648F2-5E40-40A9-9A54-77FC3D794F02}" type="datetimeFigureOut">
               <a:rPr lang="en-US" smtClean="0"/>
-              <a:t>10/19/2017</a:t>
+              <a:t>10/22/2017</a:t>
             </a:fld>
             <a:endParaRPr lang="en-US"/>
           </a:p>
@@ -2874,7 +2878,7 @@
           <a:p>
             <a:fld id="{FFB648F2-5E40-40A9-9A54-77FC3D794F02}" type="datetimeFigureOut">
               <a:rPr lang="en-US" smtClean="0"/>
-              <a:t>10/19/2017</a:t>
+              <a:t>10/22/2017</a:t>
             </a:fld>
             <a:endParaRPr lang="en-US"/>
           </a:p>
@@ -3044,7 +3048,7 @@
           <a:p>
             <a:fld id="{FFB648F2-5E40-40A9-9A54-77FC3D794F02}" type="datetimeFigureOut">
               <a:rPr lang="en-US" smtClean="0"/>
-              <a:t>10/19/2017</a:t>
+              <a:t>10/22/2017</a:t>
             </a:fld>
             <a:endParaRPr lang="en-US"/>
           </a:p>
@@ -3224,7 +3228,7 @@
           <a:p>
             <a:fld id="{FFB648F2-5E40-40A9-9A54-77FC3D794F02}" type="datetimeFigureOut">
               <a:rPr lang="en-US" smtClean="0"/>
-              <a:t>10/19/2017</a:t>
+              <a:t>10/22/2017</a:t>
             </a:fld>
             <a:endParaRPr lang="en-US"/>
           </a:p>
@@ -3394,7 +3398,7 @@
           <a:p>
             <a:fld id="{FFB648F2-5E40-40A9-9A54-77FC3D794F02}" type="datetimeFigureOut">
               <a:rPr lang="en-US" smtClean="0"/>
-              <a:t>10/19/2017</a:t>
+              <a:t>10/22/2017</a:t>
             </a:fld>
             <a:endParaRPr lang="en-US"/>
           </a:p>
@@ -3641,7 +3645,7 @@
           <a:p>
             <a:fld id="{FFB648F2-5E40-40A9-9A54-77FC3D794F02}" type="datetimeFigureOut">
               <a:rPr lang="en-US" smtClean="0"/>
-              <a:t>10/19/2017</a:t>
+              <a:t>10/22/2017</a:t>
             </a:fld>
             <a:endParaRPr lang="en-US"/>
           </a:p>
@@ -3933,7 +3937,7 @@
           <a:p>
             <a:fld id="{FFB648F2-5E40-40A9-9A54-77FC3D794F02}" type="datetimeFigureOut">
               <a:rPr lang="en-US" smtClean="0"/>
-              <a:t>10/19/2017</a:t>
+              <a:t>10/22/2017</a:t>
             </a:fld>
             <a:endParaRPr lang="en-US"/>
           </a:p>
@@ -4377,7 +4381,7 @@
           <a:p>
             <a:fld id="{FFB648F2-5E40-40A9-9A54-77FC3D794F02}" type="datetimeFigureOut">
               <a:rPr lang="en-US" smtClean="0"/>
-              <a:t>10/19/2017</a:t>
+              <a:t>10/22/2017</a:t>
             </a:fld>
             <a:endParaRPr lang="en-US"/>
           </a:p>
@@ -4495,7 +4499,7 @@
           <a:p>
             <a:fld id="{FFB648F2-5E40-40A9-9A54-77FC3D794F02}" type="datetimeFigureOut">
               <a:rPr lang="en-US" smtClean="0"/>
-              <a:t>10/19/2017</a:t>
+              <a:t>10/22/2017</a:t>
             </a:fld>
             <a:endParaRPr lang="en-US"/>
           </a:p>
@@ -4590,7 +4594,7 @@
           <a:p>
             <a:fld id="{FFB648F2-5E40-40A9-9A54-77FC3D794F02}" type="datetimeFigureOut">
               <a:rPr lang="en-US" smtClean="0"/>
-              <a:t>10/19/2017</a:t>
+              <a:t>10/22/2017</a:t>
             </a:fld>
             <a:endParaRPr lang="en-US"/>
           </a:p>
@@ -4869,7 +4873,7 @@
           <a:p>
             <a:fld id="{FFB648F2-5E40-40A9-9A54-77FC3D794F02}" type="datetimeFigureOut">
               <a:rPr lang="en-US" smtClean="0"/>
-              <a:t>10/19/2017</a:t>
+              <a:t>10/22/2017</a:t>
             </a:fld>
             <a:endParaRPr lang="en-US"/>
           </a:p>
@@ -5144,7 +5148,7 @@
           <a:p>
             <a:fld id="{FFB648F2-5E40-40A9-9A54-77FC3D794F02}" type="datetimeFigureOut">
               <a:rPr lang="en-US" smtClean="0"/>
-              <a:t>10/19/2017</a:t>
+              <a:t>10/22/2017</a:t>
             </a:fld>
             <a:endParaRPr lang="en-US"/>
           </a:p>
@@ -5573,7 +5577,7 @@
           <a:p>
             <a:fld id="{FFB648F2-5E40-40A9-9A54-77FC3D794F02}" type="datetimeFigureOut">
               <a:rPr lang="en-US" smtClean="0"/>
-              <a:t>10/19/2017</a:t>
+              <a:t>10/22/2017</a:t>
             </a:fld>
             <a:endParaRPr lang="en-US"/>
           </a:p>
@@ -6125,26 +6129,14 @@
           <a:p>
             <a:pPr algn="ctr"/>
             <a:r>
-              <a:rPr lang="en-US" dirty="0" smtClean="0"/>
-              <a:t>SDLC </a:t>
-            </a:r>
-            <a:r>
               <a:rPr lang="en-US" dirty="0"/>
-              <a:t>&amp; Software environments organization</a:t>
-            </a:r>
-            <a:r>
-              <a:rPr lang="en-US" dirty="0" smtClean="0"/>
-              <a:t/>
+              <a:t>SDLC &amp; Software environments organization</a:t>
             </a:r>
             <a:br>
-              <a:rPr lang="en-US" dirty="0" smtClean="0"/>
+              <a:rPr lang="en-US" dirty="0"/>
             </a:br>
-            <a:r>
-              <a:rPr lang="en-US" dirty="0" smtClean="0"/>
-              <a:t/>
-            </a:r>
             <a:br>
-              <a:rPr lang="en-US" dirty="0" smtClean="0"/>
+              <a:rPr lang="en-US" dirty="0"/>
             </a:br>
             <a:endParaRPr lang="en-US" dirty="0"/>
           </a:p>
@@ -6315,40 +6307,660 @@
           <a:p>
             <a:r>
               <a:rPr lang="en-US" dirty="0"/>
-              <a:t>Software </a:t>
-            </a:r>
-            <a:r>
-              <a:rPr lang="en-US" dirty="0" smtClean="0"/>
-              <a:t>environments organization</a:t>
-            </a:r>
-            <a:endParaRPr lang="en-US" dirty="0"/>
-          </a:p>
-        </p:txBody>
-      </p:sp>
-      <p:sp>
-        <p:nvSpPr>
-          <p:cNvPr id="3" name="Content Placeholder 2"/>
-          <p:cNvSpPr>
-            <a:spLocks noGrp="1"/>
-          </p:cNvSpPr>
+              <a:t>Software environments organization</a:t>
+            </a:r>
+          </a:p>
+        </p:txBody>
+      </p:sp>
+      <p:pic>
+        <p:nvPicPr>
+          <p:cNvPr id="4" name="Content Placeholder 3">
+            <a:extLst>
+              <a:ext uri="{FF2B5EF4-FFF2-40B4-BE49-F238E27FC236}">
+                <a16:creationId xmlns:a16="http://schemas.microsoft.com/office/drawing/2014/main" id="{0806DB56-8445-476E-9A66-DCE41AB53C66}"/>
+              </a:ext>
+            </a:extLst>
+          </p:cNvPr>
+          <p:cNvPicPr>
+            <a:picLocks noGrp="1" noChangeAspect="1" noChangeArrowheads="1"/>
+          </p:cNvPicPr>
           <p:nvPr>
             <p:ph idx="1"/>
           </p:nvPr>
-        </p:nvSpPr>
-        <p:spPr>
+        </p:nvPicPr>
+        <p:blipFill>
+          <a:blip r:embed="rId2">
+            <a:extLst>
+              <a:ext uri="{28A0092B-C50C-407E-A947-70E740481C1C}">
+                <a14:useLocalDpi xmlns:a14="http://schemas.microsoft.com/office/drawing/2010/main" val="0"/>
+              </a:ext>
+            </a:extLst>
+          </a:blip>
+          <a:srcRect/>
+          <a:stretch>
+            <a:fillRect/>
+          </a:stretch>
+        </p:blipFill>
+        <p:spPr bwMode="auto">
           <a:xfrm>
-            <a:off x="1103312" y="1853248"/>
-            <a:ext cx="8946541" cy="4195481"/>
-          </a:xfrm>
-        </p:spPr>
-        <p:txBody>
-          <a:bodyPr/>
-          <a:lstStyle/>
-          <a:p>
-            <a:endParaRPr lang="en-US" dirty="0"/>
-          </a:p>
-        </p:txBody>
-      </p:sp>
+            <a:off x="3176896" y="1314754"/>
+            <a:ext cx="5591125" cy="1578367"/>
+          </a:xfrm>
+          <a:prstGeom prst="rect">
+            <a:avLst/>
+          </a:prstGeom>
+          <a:noFill/>
+          <a:ln>
+            <a:noFill/>
+          </a:ln>
+          <a:effectLst/>
+          <a:extLst>
+            <a:ext uri="{909E8E84-426E-40DD-AFC4-6F175D3DCCD1}">
+              <a14:hiddenFill xmlns:a14="http://schemas.microsoft.com/office/drawing/2010/main">
+                <a:blipFill dpi="0" rotWithShape="0">
+                  <a:blip/>
+                  <a:srcRect/>
+                  <a:stretch>
+                    <a:fillRect/>
+                  </a:stretch>
+                </a:blipFill>
+              </a14:hiddenFill>
+            </a:ext>
+            <a:ext uri="{91240B29-F687-4F45-9708-019B960494DF}">
+              <a14:hiddenLine xmlns:a14="http://schemas.microsoft.com/office/drawing/2010/main" w="9525">
+                <a:solidFill>
+                  <a:srgbClr val="000000"/>
+                </a:solidFill>
+                <a:round/>
+                <a:headEnd/>
+                <a:tailEnd/>
+              </a14:hiddenLine>
+            </a:ext>
+            <a:ext uri="{AF507438-7753-43E0-B8FC-AC1667EBCBE1}">
+              <a14:hiddenEffects xmlns:a14="http://schemas.microsoft.com/office/drawing/2010/main">
+                <a:effectLst>
+                  <a:outerShdw dist="35921" dir="2700000" algn="ctr" rotWithShape="0">
+                    <a:srgbClr val="808080"/>
+                  </a:outerShdw>
+                </a:effectLst>
+              </a14:hiddenEffects>
+            </a:ext>
+          </a:extLst>
+        </p:spPr>
+      </p:pic>
+      <p:graphicFrame>
+        <p:nvGraphicFramePr>
+          <p:cNvPr id="5" name="Таблица 1">
+            <a:extLst>
+              <a:ext uri="{FF2B5EF4-FFF2-40B4-BE49-F238E27FC236}">
+                <a16:creationId xmlns:a16="http://schemas.microsoft.com/office/drawing/2014/main" id="{D159B393-69E9-475B-A136-7D95EE3BA827}"/>
+              </a:ext>
+            </a:extLst>
+          </p:cNvPr>
+          <p:cNvGraphicFramePr>
+            <a:graphicFrameLocks noGrp="1"/>
+          </p:cNvGraphicFramePr>
+          <p:nvPr>
+            <p:extLst>
+              <p:ext uri="{D42A27DB-BD31-4B8C-83A1-F6EECF244321}">
+                <p14:modId xmlns:p14="http://schemas.microsoft.com/office/powerpoint/2010/main" val="2758646304"/>
+              </p:ext>
+            </p:extLst>
+          </p:nvPr>
+        </p:nvGraphicFramePr>
+        <p:xfrm>
+          <a:off x="2452057" y="3177206"/>
+          <a:ext cx="7040802" cy="3168672"/>
+        </p:xfrm>
+        <a:graphic>
+          <a:graphicData uri="http://schemas.openxmlformats.org/drawingml/2006/table">
+            <a:tbl>
+              <a:tblPr/>
+              <a:tblGrid>
+                <a:gridCol w="1920219">
+                  <a:extLst>
+                    <a:ext uri="{9D8B030D-6E8A-4147-A177-3AD203B41FA5}">
+                      <a16:colId xmlns:a16="http://schemas.microsoft.com/office/drawing/2014/main" val="20000"/>
+                    </a:ext>
+                  </a:extLst>
+                </a:gridCol>
+                <a:gridCol w="5120583">
+                  <a:extLst>
+                    <a:ext uri="{9D8B030D-6E8A-4147-A177-3AD203B41FA5}">
+                      <a16:colId xmlns:a16="http://schemas.microsoft.com/office/drawing/2014/main" val="20001"/>
+                    </a:ext>
+                  </a:extLst>
+                </a:gridCol>
+              </a:tblGrid>
+              <a:tr h="463969">
+                <a:tc>
+                  <a:txBody>
+                    <a:bodyPr/>
+                    <a:lstStyle/>
+                    <a:p>
+                      <a:r>
+                        <a:rPr lang="en-US" sz="1600" dirty="0">
+                          <a:solidFill>
+                            <a:schemeClr val="bg1"/>
+                          </a:solidFill>
+                          <a:effectLst/>
+                        </a:rPr>
+                        <a:t>Dev</a:t>
+                      </a:r>
+                    </a:p>
+                  </a:txBody>
+                  <a:tcPr marL="60647" marR="60647" marT="30324" marB="30324" anchor="ctr">
+                    <a:lnL w="9525" cap="flat" cmpd="sng" algn="ctr">
+                      <a:solidFill>
+                        <a:srgbClr val="A2A9B1"/>
+                      </a:solidFill>
+                      <a:prstDash val="solid"/>
+                      <a:round/>
+                      <a:headEnd type="none" w="med" len="med"/>
+                      <a:tailEnd type="none" w="med" len="med"/>
+                    </a:lnL>
+                    <a:lnR w="9525" cap="flat" cmpd="sng" algn="ctr">
+                      <a:solidFill>
+                        <a:srgbClr val="A2A9B1"/>
+                      </a:solidFill>
+                      <a:prstDash val="solid"/>
+                      <a:round/>
+                      <a:headEnd type="none" w="med" len="med"/>
+                      <a:tailEnd type="none" w="med" len="med"/>
+                    </a:lnR>
+                    <a:lnT w="9525" cap="flat" cmpd="sng" algn="ctr">
+                      <a:solidFill>
+                        <a:srgbClr val="A2A9B1"/>
+                      </a:solidFill>
+                      <a:prstDash val="solid"/>
+                      <a:round/>
+                      <a:headEnd type="none" w="med" len="med"/>
+                      <a:tailEnd type="none" w="med" len="med"/>
+                    </a:lnT>
+                    <a:lnB w="9525" cap="flat" cmpd="sng" algn="ctr">
+                      <a:solidFill>
+                        <a:srgbClr val="A2A9B1"/>
+                      </a:solidFill>
+                      <a:prstDash val="solid"/>
+                      <a:round/>
+                      <a:headEnd type="none" w="med" len="med"/>
+                      <a:tailEnd type="none" w="med" len="med"/>
+                    </a:lnB>
+                    <a:solidFill>
+                      <a:srgbClr val="F8F9FA"/>
+                    </a:solidFill>
+                  </a:tcPr>
+                </a:tc>
+                <a:tc>
+                  <a:txBody>
+                    <a:bodyPr/>
+                    <a:lstStyle/>
+                    <a:p>
+                      <a:r>
+                        <a:rPr lang="en-US" sz="1600" b="0" i="0" kern="1200" dirty="0">
+                          <a:solidFill>
+                            <a:schemeClr val="bg1"/>
+                          </a:solidFill>
+                          <a:effectLst/>
+                          <a:latin typeface="+mn-lt"/>
+                          <a:ea typeface="+mn-ea"/>
+                          <a:cs typeface="+mn-cs"/>
+                        </a:rPr>
+                        <a:t>Development server. This is where unit testing is performed by the developer.</a:t>
+                      </a:r>
+                      <a:endParaRPr lang="en-US" sz="1600" dirty="0">
+                        <a:solidFill>
+                          <a:schemeClr val="bg1"/>
+                        </a:solidFill>
+                        <a:effectLst/>
+                      </a:endParaRPr>
+                    </a:p>
+                  </a:txBody>
+                  <a:tcPr marL="60647" marR="60647" marT="30324" marB="30324" anchor="ctr">
+                    <a:lnL w="9525" cap="flat" cmpd="sng" algn="ctr">
+                      <a:solidFill>
+                        <a:srgbClr val="A2A9B1"/>
+                      </a:solidFill>
+                      <a:prstDash val="solid"/>
+                      <a:round/>
+                      <a:headEnd type="none" w="med" len="med"/>
+                      <a:tailEnd type="none" w="med" len="med"/>
+                    </a:lnL>
+                    <a:lnR w="9525" cap="flat" cmpd="sng" algn="ctr">
+                      <a:solidFill>
+                        <a:srgbClr val="A2A9B1"/>
+                      </a:solidFill>
+                      <a:prstDash val="solid"/>
+                      <a:round/>
+                      <a:headEnd type="none" w="med" len="med"/>
+                      <a:tailEnd type="none" w="med" len="med"/>
+                    </a:lnR>
+                    <a:lnT w="9525" cap="flat" cmpd="sng" algn="ctr">
+                      <a:solidFill>
+                        <a:srgbClr val="A2A9B1"/>
+                      </a:solidFill>
+                      <a:prstDash val="solid"/>
+                      <a:round/>
+                      <a:headEnd type="none" w="med" len="med"/>
+                      <a:tailEnd type="none" w="med" len="med"/>
+                    </a:lnT>
+                    <a:lnB w="9525" cap="flat" cmpd="sng" algn="ctr">
+                      <a:solidFill>
+                        <a:srgbClr val="A2A9B1"/>
+                      </a:solidFill>
+                      <a:prstDash val="solid"/>
+                      <a:round/>
+                      <a:headEnd type="none" w="med" len="med"/>
+                      <a:tailEnd type="none" w="med" len="med"/>
+                    </a:lnB>
+                    <a:solidFill>
+                      <a:srgbClr val="F8F9FA"/>
+                    </a:solidFill>
+                  </a:tcPr>
+                </a:tc>
+                <a:extLst>
+                  <a:ext uri="{0D108BD9-81ED-4DB2-BD59-A6C34878D82A}">
+                    <a16:rowId xmlns:a16="http://schemas.microsoft.com/office/drawing/2014/main" val="10000"/>
+                  </a:ext>
+                </a:extLst>
+              </a:tr>
+              <a:tr h="1646208">
+                <a:tc>
+                  <a:txBody>
+                    <a:bodyPr/>
+                    <a:lstStyle/>
+                    <a:p>
+                      <a:r>
+                        <a:rPr lang="en-US" sz="1600" dirty="0">
+                          <a:solidFill>
+                            <a:schemeClr val="bg1"/>
+                          </a:solidFill>
+                          <a:effectLst/>
+                        </a:rPr>
+                        <a:t>Test</a:t>
+                      </a:r>
+                      <a:r>
+                        <a:rPr lang="en-US" sz="1600" baseline="0" dirty="0">
+                          <a:solidFill>
+                            <a:schemeClr val="bg1"/>
+                          </a:solidFill>
+                          <a:effectLst/>
+                        </a:rPr>
+                        <a:t> / QA</a:t>
+                      </a:r>
+                      <a:endParaRPr lang="en-US" sz="1600" dirty="0">
+                        <a:solidFill>
+                          <a:schemeClr val="bg1"/>
+                        </a:solidFill>
+                        <a:effectLst/>
+                      </a:endParaRPr>
+                    </a:p>
+                  </a:txBody>
+                  <a:tcPr marL="60647" marR="60647" marT="30324" marB="30324" anchor="ctr">
+                    <a:lnL w="9525" cap="flat" cmpd="sng" algn="ctr">
+                      <a:solidFill>
+                        <a:srgbClr val="A2A9B1"/>
+                      </a:solidFill>
+                      <a:prstDash val="solid"/>
+                      <a:round/>
+                      <a:headEnd type="none" w="med" len="med"/>
+                      <a:tailEnd type="none" w="med" len="med"/>
+                    </a:lnL>
+                    <a:lnR w="9525" cap="flat" cmpd="sng" algn="ctr">
+                      <a:solidFill>
+                        <a:srgbClr val="A2A9B1"/>
+                      </a:solidFill>
+                      <a:prstDash val="solid"/>
+                      <a:round/>
+                      <a:headEnd type="none" w="med" len="med"/>
+                      <a:tailEnd type="none" w="med" len="med"/>
+                    </a:lnR>
+                    <a:lnT w="9525" cap="flat" cmpd="sng" algn="ctr">
+                      <a:solidFill>
+                        <a:srgbClr val="A2A9B1"/>
+                      </a:solidFill>
+                      <a:prstDash val="solid"/>
+                      <a:round/>
+                      <a:headEnd type="none" w="med" len="med"/>
+                      <a:tailEnd type="none" w="med" len="med"/>
+                    </a:lnT>
+                    <a:lnB w="9525" cap="flat" cmpd="sng" algn="ctr">
+                      <a:solidFill>
+                        <a:srgbClr val="A2A9B1"/>
+                      </a:solidFill>
+                      <a:prstDash val="solid"/>
+                      <a:round/>
+                      <a:headEnd type="none" w="med" len="med"/>
+                      <a:tailEnd type="none" w="med" len="med"/>
+                    </a:lnB>
+                    <a:solidFill>
+                      <a:srgbClr val="F8F9FA"/>
+                    </a:solidFill>
+                  </a:tcPr>
+                </a:tc>
+                <a:tc>
+                  <a:txBody>
+                    <a:bodyPr/>
+                    <a:lstStyle/>
+                    <a:p>
+                      <a:r>
+                        <a:rPr lang="en-US" sz="1600" b="0" i="0" kern="1200" dirty="0">
+                          <a:solidFill>
+                            <a:schemeClr val="bg1"/>
+                          </a:solidFill>
+                          <a:effectLst/>
+                          <a:latin typeface="+mn-lt"/>
+                          <a:ea typeface="+mn-ea"/>
+                          <a:cs typeface="+mn-cs"/>
+                        </a:rPr>
+                        <a:t>This is the stage where interface testing is performed. Quality assurance team make sure that the new code will not have any impact on the existing functionality and they test major functionalities of the system once after deploying the new code in their respective environment(i.e. QA environment)</a:t>
+                      </a:r>
+                      <a:endParaRPr lang="en-US" sz="1600" dirty="0">
+                        <a:solidFill>
+                          <a:schemeClr val="bg1"/>
+                        </a:solidFill>
+                        <a:effectLst/>
+                      </a:endParaRPr>
+                    </a:p>
+                  </a:txBody>
+                  <a:tcPr marL="60647" marR="60647" marT="30324" marB="30324" anchor="ctr">
+                    <a:lnL w="9525" cap="flat" cmpd="sng" algn="ctr">
+                      <a:solidFill>
+                        <a:srgbClr val="A2A9B1"/>
+                      </a:solidFill>
+                      <a:prstDash val="solid"/>
+                      <a:round/>
+                      <a:headEnd type="none" w="med" len="med"/>
+                      <a:tailEnd type="none" w="med" len="med"/>
+                    </a:lnL>
+                    <a:lnR w="9525" cap="flat" cmpd="sng" algn="ctr">
+                      <a:solidFill>
+                        <a:srgbClr val="A2A9B1"/>
+                      </a:solidFill>
+                      <a:prstDash val="solid"/>
+                      <a:round/>
+                      <a:headEnd type="none" w="med" len="med"/>
+                      <a:tailEnd type="none" w="med" len="med"/>
+                    </a:lnR>
+                    <a:lnT w="9525" cap="flat" cmpd="sng" algn="ctr">
+                      <a:solidFill>
+                        <a:srgbClr val="A2A9B1"/>
+                      </a:solidFill>
+                      <a:prstDash val="solid"/>
+                      <a:round/>
+                      <a:headEnd type="none" w="med" len="med"/>
+                      <a:tailEnd type="none" w="med" len="med"/>
+                    </a:lnT>
+                    <a:lnB w="9525" cap="flat" cmpd="sng" algn="ctr">
+                      <a:solidFill>
+                        <a:srgbClr val="A2A9B1"/>
+                      </a:solidFill>
+                      <a:prstDash val="solid"/>
+                      <a:round/>
+                      <a:headEnd type="none" w="med" len="med"/>
+                      <a:tailEnd type="none" w="med" len="med"/>
+                    </a:lnB>
+                    <a:solidFill>
+                      <a:srgbClr val="F8F9FA"/>
+                    </a:solidFill>
+                  </a:tcPr>
+                </a:tc>
+                <a:extLst>
+                  <a:ext uri="{0D108BD9-81ED-4DB2-BD59-A6C34878D82A}">
+                    <a16:rowId xmlns:a16="http://schemas.microsoft.com/office/drawing/2014/main" val="10001"/>
+                  </a:ext>
+                </a:extLst>
+              </a:tr>
+              <a:tr h="463969">
+                <a:tc>
+                  <a:txBody>
+                    <a:bodyPr/>
+                    <a:lstStyle/>
+                    <a:p>
+                      <a:r>
+                        <a:rPr lang="en-US" sz="1600" dirty="0">
+                          <a:solidFill>
+                            <a:schemeClr val="bg1"/>
+                          </a:solidFill>
+                          <a:effectLst/>
+                        </a:rPr>
+                        <a:t>Stage / Pre-production</a:t>
+                      </a:r>
+                    </a:p>
+                  </a:txBody>
+                  <a:tcPr marL="60647" marR="60647" marT="30324" marB="30324" anchor="ctr">
+                    <a:lnL w="9525" cap="flat" cmpd="sng" algn="ctr">
+                      <a:solidFill>
+                        <a:srgbClr val="A2A9B1"/>
+                      </a:solidFill>
+                      <a:prstDash val="solid"/>
+                      <a:round/>
+                      <a:headEnd type="none" w="med" len="med"/>
+                      <a:tailEnd type="none" w="med" len="med"/>
+                    </a:lnL>
+                    <a:lnR w="9525" cap="flat" cmpd="sng" algn="ctr">
+                      <a:solidFill>
+                        <a:srgbClr val="A2A9B1"/>
+                      </a:solidFill>
+                      <a:prstDash val="solid"/>
+                      <a:round/>
+                      <a:headEnd type="none" w="med" len="med"/>
+                      <a:tailEnd type="none" w="med" len="med"/>
+                    </a:lnR>
+                    <a:lnT w="9525" cap="flat" cmpd="sng" algn="ctr">
+                      <a:solidFill>
+                        <a:srgbClr val="A2A9B1"/>
+                      </a:solidFill>
+                      <a:prstDash val="solid"/>
+                      <a:round/>
+                      <a:headEnd type="none" w="med" len="med"/>
+                      <a:tailEnd type="none" w="med" len="med"/>
+                    </a:lnT>
+                    <a:lnB w="9525" cap="flat" cmpd="sng" algn="ctr">
+                      <a:solidFill>
+                        <a:srgbClr val="A2A9B1"/>
+                      </a:solidFill>
+                      <a:prstDash val="solid"/>
+                      <a:round/>
+                      <a:headEnd type="none" w="med" len="med"/>
+                      <a:tailEnd type="none" w="med" len="med"/>
+                    </a:lnB>
+                    <a:solidFill>
+                      <a:srgbClr val="F8F9FA"/>
+                    </a:solidFill>
+                  </a:tcPr>
+                </a:tc>
+                <a:tc>
+                  <a:txBody>
+                    <a:bodyPr/>
+                    <a:lstStyle/>
+                    <a:p>
+                      <a:r>
+                        <a:rPr lang="en-US" sz="1600" dirty="0">
+                          <a:solidFill>
+                            <a:schemeClr val="bg1"/>
+                          </a:solidFill>
+                          <a:effectLst/>
+                        </a:rPr>
+                        <a:t>Mirror of production environment</a:t>
+                      </a:r>
+                    </a:p>
+                  </a:txBody>
+                  <a:tcPr marL="60647" marR="60647" marT="30324" marB="30324" anchor="ctr">
+                    <a:lnL w="9525" cap="flat" cmpd="sng" algn="ctr">
+                      <a:solidFill>
+                        <a:srgbClr val="A2A9B1"/>
+                      </a:solidFill>
+                      <a:prstDash val="solid"/>
+                      <a:round/>
+                      <a:headEnd type="none" w="med" len="med"/>
+                      <a:tailEnd type="none" w="med" len="med"/>
+                    </a:lnL>
+                    <a:lnR w="9525" cap="flat" cmpd="sng" algn="ctr">
+                      <a:solidFill>
+                        <a:srgbClr val="A2A9B1"/>
+                      </a:solidFill>
+                      <a:prstDash val="solid"/>
+                      <a:round/>
+                      <a:headEnd type="none" w="med" len="med"/>
+                      <a:tailEnd type="none" w="med" len="med"/>
+                    </a:lnR>
+                    <a:lnT w="9525" cap="flat" cmpd="sng" algn="ctr">
+                      <a:solidFill>
+                        <a:srgbClr val="A2A9B1"/>
+                      </a:solidFill>
+                      <a:prstDash val="solid"/>
+                      <a:round/>
+                      <a:headEnd type="none" w="med" len="med"/>
+                      <a:tailEnd type="none" w="med" len="med"/>
+                    </a:lnT>
+                    <a:lnB w="9525" cap="flat" cmpd="sng" algn="ctr">
+                      <a:solidFill>
+                        <a:srgbClr val="A2A9B1"/>
+                      </a:solidFill>
+                      <a:prstDash val="solid"/>
+                      <a:round/>
+                      <a:headEnd type="none" w="med" len="med"/>
+                      <a:tailEnd type="none" w="med" len="med"/>
+                    </a:lnB>
+                    <a:solidFill>
+                      <a:srgbClr val="F8F9FA"/>
+                    </a:solidFill>
+                  </a:tcPr>
+                </a:tc>
+                <a:extLst>
+                  <a:ext uri="{0D108BD9-81ED-4DB2-BD59-A6C34878D82A}">
+                    <a16:rowId xmlns:a16="http://schemas.microsoft.com/office/drawing/2014/main" val="10002"/>
+                  </a:ext>
+                </a:extLst>
+              </a:tr>
+              <a:tr h="185588">
+                <a:tc>
+                  <a:txBody>
+                    <a:bodyPr/>
+                    <a:lstStyle/>
+                    <a:p>
+                      <a:r>
+                        <a:rPr lang="en-US" sz="1600" dirty="0">
+                          <a:solidFill>
+                            <a:schemeClr val="bg1"/>
+                          </a:solidFill>
+                          <a:effectLst/>
+                        </a:rPr>
+                        <a:t>Production / Live</a:t>
+                      </a:r>
+                    </a:p>
+                  </a:txBody>
+                  <a:tcPr marL="60647" marR="60647" marT="30324" marB="30324" anchor="ctr">
+                    <a:lnL w="9525" cap="flat" cmpd="sng" algn="ctr">
+                      <a:solidFill>
+                        <a:srgbClr val="A2A9B1"/>
+                      </a:solidFill>
+                      <a:prstDash val="solid"/>
+                      <a:round/>
+                      <a:headEnd type="none" w="med" len="med"/>
+                      <a:tailEnd type="none" w="med" len="med"/>
+                    </a:lnL>
+                    <a:lnR w="9525" cap="flat" cmpd="sng" algn="ctr">
+                      <a:solidFill>
+                        <a:srgbClr val="A2A9B1"/>
+                      </a:solidFill>
+                      <a:prstDash val="solid"/>
+                      <a:round/>
+                      <a:headEnd type="none" w="med" len="med"/>
+                      <a:tailEnd type="none" w="med" len="med"/>
+                    </a:lnR>
+                    <a:lnT w="9525" cap="flat" cmpd="sng" algn="ctr">
+                      <a:solidFill>
+                        <a:srgbClr val="A2A9B1"/>
+                      </a:solidFill>
+                      <a:prstDash val="solid"/>
+                      <a:round/>
+                      <a:headEnd type="none" w="med" len="med"/>
+                      <a:tailEnd type="none" w="med" len="med"/>
+                    </a:lnT>
+                    <a:lnB w="9525" cap="flat" cmpd="sng" algn="ctr">
+                      <a:solidFill>
+                        <a:srgbClr val="A2A9B1"/>
+                      </a:solidFill>
+                      <a:prstDash val="solid"/>
+                      <a:round/>
+                      <a:headEnd type="none" w="med" len="med"/>
+                      <a:tailEnd type="none" w="med" len="med"/>
+                    </a:lnB>
+                    <a:solidFill>
+                      <a:srgbClr val="F8F9FA"/>
+                    </a:solidFill>
+                  </a:tcPr>
+                </a:tc>
+                <a:tc>
+                  <a:txBody>
+                    <a:bodyPr/>
+                    <a:lstStyle/>
+                    <a:p>
+                      <a:r>
+                        <a:rPr lang="en-US" sz="1600" dirty="0">
+                          <a:solidFill>
+                            <a:schemeClr val="bg1"/>
+                          </a:solidFill>
+                          <a:effectLst/>
+                        </a:rPr>
+                        <a:t>Serves end-users/clients</a:t>
+                      </a:r>
+                    </a:p>
+                  </a:txBody>
+                  <a:tcPr marL="60647" marR="60647" marT="30324" marB="30324" anchor="ctr">
+                    <a:lnL w="9525" cap="flat" cmpd="sng" algn="ctr">
+                      <a:solidFill>
+                        <a:srgbClr val="A2A9B1"/>
+                      </a:solidFill>
+                      <a:prstDash val="solid"/>
+                      <a:round/>
+                      <a:headEnd type="none" w="med" len="med"/>
+                      <a:tailEnd type="none" w="med" len="med"/>
+                    </a:lnL>
+                    <a:lnR w="9525" cap="flat" cmpd="sng" algn="ctr">
+                      <a:solidFill>
+                        <a:srgbClr val="A2A9B1"/>
+                      </a:solidFill>
+                      <a:prstDash val="solid"/>
+                      <a:round/>
+                      <a:headEnd type="none" w="med" len="med"/>
+                      <a:tailEnd type="none" w="med" len="med"/>
+                    </a:lnR>
+                    <a:lnT w="9525" cap="flat" cmpd="sng" algn="ctr">
+                      <a:solidFill>
+                        <a:srgbClr val="A2A9B1"/>
+                      </a:solidFill>
+                      <a:prstDash val="solid"/>
+                      <a:round/>
+                      <a:headEnd type="none" w="med" len="med"/>
+                      <a:tailEnd type="none" w="med" len="med"/>
+                    </a:lnT>
+                    <a:lnB w="9525" cap="flat" cmpd="sng" algn="ctr">
+                      <a:solidFill>
+                        <a:srgbClr val="A2A9B1"/>
+                      </a:solidFill>
+                      <a:prstDash val="solid"/>
+                      <a:round/>
+                      <a:headEnd type="none" w="med" len="med"/>
+                      <a:tailEnd type="none" w="med" len="med"/>
+                    </a:lnB>
+                    <a:solidFill>
+                      <a:srgbClr val="F8F9FA"/>
+                    </a:solidFill>
+                  </a:tcPr>
+                </a:tc>
+                <a:extLst>
+                  <a:ext uri="{0D108BD9-81ED-4DB2-BD59-A6C34878D82A}">
+                    <a16:rowId xmlns:a16="http://schemas.microsoft.com/office/drawing/2014/main" val="10003"/>
+                  </a:ext>
+                </a:extLst>
+              </a:tr>
+            </a:tbl>
+          </a:graphicData>
+        </a:graphic>
+      </p:graphicFrame>
     </p:spTree>
     <p:extLst>
       <p:ext uri="{BB962C8B-B14F-4D97-AF65-F5344CB8AC3E}">
@@ -6445,15 +7057,7 @@
             </a:pPr>
             <a:r>
               <a:rPr lang="en-US" dirty="0"/>
-              <a:t>The </a:t>
-            </a:r>
-            <a:r>
-              <a:rPr lang="en-US" dirty="0" smtClean="0"/>
-              <a:t>software </a:t>
-            </a:r>
-            <a:r>
-              <a:rPr lang="en-US" dirty="0"/>
-              <a:t>development life cycle (SDLC), also referred to as the application development life-cycle is a term to describe a process for planning, creating, testing, and deploying an information system.</a:t>
+              <a:t>The software development life cycle (SDLC), also referred to as the application development life-cycle is a term to describe a process for planning, creating, testing, and deploying an information system.</a:t>
             </a:r>
           </a:p>
           <a:p>
